--- a/tarefa-01/t1.3edl.pptx
+++ b/tarefa-01/t1.3edl.pptx
@@ -109,6 +109,11 @@
       </a:defRPr>
     </a:lvl9pPr>
   </p:defaultTextStyle>
+  <p:extLst>
+    <p:ext uri="{EFAFB233-063F-42B5-8137-9DF3F51BA10A}">
+      <p15:sldGuideLst xmlns:p15="http://schemas.microsoft.com/office/powerpoint/2012/main"/>
+    </p:ext>
+  </p:extLst>
 </p:presentation>
 </file>
 
@@ -259,7 +264,7 @@
           <a:p>
             <a:fld id="{CD9B40F4-26D3-4AA9-8012-A62296898647}" type="datetimeFigureOut">
               <a:rPr lang="pt-BR" smtClean="0"/>
-              <a:t>05/11/2020</a:t>
+              <a:t>06/11/2020</a:t>
             </a:fld>
             <a:endParaRPr lang="pt-BR"/>
           </a:p>
@@ -457,7 +462,7 @@
           <a:p>
             <a:fld id="{CD9B40F4-26D3-4AA9-8012-A62296898647}" type="datetimeFigureOut">
               <a:rPr lang="pt-BR" smtClean="0"/>
-              <a:t>05/11/2020</a:t>
+              <a:t>06/11/2020</a:t>
             </a:fld>
             <a:endParaRPr lang="pt-BR"/>
           </a:p>
@@ -665,7 +670,7 @@
           <a:p>
             <a:fld id="{CD9B40F4-26D3-4AA9-8012-A62296898647}" type="datetimeFigureOut">
               <a:rPr lang="pt-BR" smtClean="0"/>
-              <a:t>05/11/2020</a:t>
+              <a:t>06/11/2020</a:t>
             </a:fld>
             <a:endParaRPr lang="pt-BR"/>
           </a:p>
@@ -863,7 +868,7 @@
           <a:p>
             <a:fld id="{CD9B40F4-26D3-4AA9-8012-A62296898647}" type="datetimeFigureOut">
               <a:rPr lang="pt-BR" smtClean="0"/>
-              <a:t>05/11/2020</a:t>
+              <a:t>06/11/2020</a:t>
             </a:fld>
             <a:endParaRPr lang="pt-BR"/>
           </a:p>
@@ -1138,7 +1143,7 @@
           <a:p>
             <a:fld id="{CD9B40F4-26D3-4AA9-8012-A62296898647}" type="datetimeFigureOut">
               <a:rPr lang="pt-BR" smtClean="0"/>
-              <a:t>05/11/2020</a:t>
+              <a:t>06/11/2020</a:t>
             </a:fld>
             <a:endParaRPr lang="pt-BR"/>
           </a:p>
@@ -1403,7 +1408,7 @@
           <a:p>
             <a:fld id="{CD9B40F4-26D3-4AA9-8012-A62296898647}" type="datetimeFigureOut">
               <a:rPr lang="pt-BR" smtClean="0"/>
-              <a:t>05/11/2020</a:t>
+              <a:t>06/11/2020</a:t>
             </a:fld>
             <a:endParaRPr lang="pt-BR"/>
           </a:p>
@@ -1815,7 +1820,7 @@
           <a:p>
             <a:fld id="{CD9B40F4-26D3-4AA9-8012-A62296898647}" type="datetimeFigureOut">
               <a:rPr lang="pt-BR" smtClean="0"/>
-              <a:t>05/11/2020</a:t>
+              <a:t>06/11/2020</a:t>
             </a:fld>
             <a:endParaRPr lang="pt-BR"/>
           </a:p>
@@ -1956,7 +1961,7 @@
           <a:p>
             <a:fld id="{CD9B40F4-26D3-4AA9-8012-A62296898647}" type="datetimeFigureOut">
               <a:rPr lang="pt-BR" smtClean="0"/>
-              <a:t>05/11/2020</a:t>
+              <a:t>06/11/2020</a:t>
             </a:fld>
             <a:endParaRPr lang="pt-BR"/>
           </a:p>
@@ -2069,7 +2074,7 @@
           <a:p>
             <a:fld id="{CD9B40F4-26D3-4AA9-8012-A62296898647}" type="datetimeFigureOut">
               <a:rPr lang="pt-BR" smtClean="0"/>
-              <a:t>05/11/2020</a:t>
+              <a:t>06/11/2020</a:t>
             </a:fld>
             <a:endParaRPr lang="pt-BR"/>
           </a:p>
@@ -2380,7 +2385,7 @@
           <a:p>
             <a:fld id="{CD9B40F4-26D3-4AA9-8012-A62296898647}" type="datetimeFigureOut">
               <a:rPr lang="pt-BR" smtClean="0"/>
-              <a:t>05/11/2020</a:t>
+              <a:t>06/11/2020</a:t>
             </a:fld>
             <a:endParaRPr lang="pt-BR"/>
           </a:p>
@@ -2668,7 +2673,7 @@
           <a:p>
             <a:fld id="{CD9B40F4-26D3-4AA9-8012-A62296898647}" type="datetimeFigureOut">
               <a:rPr lang="pt-BR" smtClean="0"/>
-              <a:t>05/11/2020</a:t>
+              <a:t>06/11/2020</a:t>
             </a:fld>
             <a:endParaRPr lang="pt-BR"/>
           </a:p>
@@ -2909,7 +2914,7 @@
           <a:p>
             <a:fld id="{CD9B40F4-26D3-4AA9-8012-A62296898647}" type="datetimeFigureOut">
               <a:rPr lang="pt-BR" smtClean="0"/>
-              <a:t>05/11/2020</a:t>
+              <a:t>06/11/2020</a:t>
             </a:fld>
             <a:endParaRPr lang="pt-BR"/>
           </a:p>
@@ -3380,7 +3385,7 @@
         <p:spPr>
           <a:xfrm>
             <a:off x="449872" y="553916"/>
-            <a:ext cx="6849208" cy="5847755"/>
+            <a:ext cx="6849208" cy="2215991"/>
           </a:xfrm>
           <a:prstGeom prst="rect">
             <a:avLst/>
@@ -3434,24 +3439,13 @@
             </a:r>
             <a:r>
               <a:rPr lang="pt-BR" sz="1600" dirty="0"/>
-              <a:t> e análises numéricas de alta performance. Ela compartilha paradigmas de linguagens funcionais, como funções anônimas e </a:t>
-            </a:r>
-            <a:r>
-              <a:rPr lang="pt-BR" sz="1600" dirty="0" err="1"/>
-              <a:t>closures</a:t>
-            </a:r>
+              <a:t> e análises numéricas de alta performance.</a:t>
+            </a:r>
+          </a:p>
+          <a:p>
             <a:r>
               <a:rPr lang="pt-BR" sz="1600" dirty="0"/>
-              <a:t>, e de linguagens imperativas, como a possibilidade de definir tipos mutáveis.</a:t>
-            </a:r>
-          </a:p>
-          <a:p>
-            <a:endParaRPr lang="pt-BR" sz="1600" dirty="0"/>
-          </a:p>
-          <a:p>
-            <a:r>
-              <a:rPr lang="pt-BR" sz="1600" dirty="0"/>
-              <a:t>Além disso, Júlia tem tipagem dinâmica, possui polimorfismo paramétrico e suporta computação paralela, concorrente e distribuída. Julia é uma linguagem orientada a objetos que possui </a:t>
+              <a:t>Julia é uma linguagem orientada a objetos que possui </a:t>
             </a:r>
             <a:r>
               <a:rPr lang="pt-BR" sz="1600" dirty="0" err="1"/>
@@ -3459,114 +3453,8 @@
             </a:r>
             <a:r>
               <a:rPr lang="pt-BR" sz="1600" dirty="0"/>
-              <a:t> como um de seus principais paradigmas de programação. Ela é compilada em tempo de execução através de um compilador </a:t>
-            </a:r>
-            <a:r>
-              <a:rPr lang="pt-BR" sz="1600" dirty="0" err="1"/>
-              <a:t>just</a:t>
-            </a:r>
-            <a:r>
-              <a:rPr lang="pt-BR" sz="1600" dirty="0"/>
-              <a:t>-</a:t>
-            </a:r>
-            <a:r>
-              <a:rPr lang="pt-BR" sz="1600" dirty="0" err="1"/>
-              <a:t>in-time</a:t>
-            </a:r>
-            <a:r>
-              <a:rPr lang="pt-BR" sz="1600" dirty="0"/>
-              <a:t> (JIT), o que favorece ao seu alto desempenho.</a:t>
-            </a:r>
-          </a:p>
-          <a:p>
-            <a:endParaRPr lang="pt-BR" sz="1600" dirty="0"/>
-          </a:p>
-          <a:p>
-            <a:r>
-              <a:rPr lang="pt-BR" sz="1600" dirty="0"/>
-              <a:t>Outras características notáveis de Julia incluem:</a:t>
-            </a:r>
-          </a:p>
-          <a:p>
-            <a:endParaRPr lang="pt-BR" sz="1600" dirty="0"/>
-          </a:p>
-          <a:p>
-            <a:r>
-              <a:rPr lang="pt-BR" sz="1600" dirty="0"/>
-              <a:t>   </a:t>
-            </a:r>
-            <a:r>
-              <a:rPr lang="pt-BR" sz="1600" b="1" dirty="0"/>
-              <a:t>.</a:t>
-            </a:r>
-            <a:r>
-              <a:rPr lang="pt-BR" sz="1600" dirty="0"/>
-              <a:t> Coletor de lixo</a:t>
-            </a:r>
-          </a:p>
-          <a:p>
-            <a:r>
-              <a:rPr lang="pt-BR" sz="1600" dirty="0"/>
-              <a:t>   </a:t>
-            </a:r>
-            <a:r>
-              <a:rPr lang="pt-BR" sz="1600" b="1" dirty="0"/>
-              <a:t>.</a:t>
-            </a:r>
-            <a:r>
-              <a:rPr lang="pt-BR" sz="1600" dirty="0"/>
-              <a:t> Avaliação ansiosa</a:t>
-            </a:r>
-          </a:p>
-          <a:p>
-            <a:r>
-              <a:rPr lang="pt-BR" sz="1600" dirty="0"/>
-              <a:t>   </a:t>
-            </a:r>
-            <a:r>
-              <a:rPr lang="pt-BR" sz="1600" b="1" dirty="0"/>
-              <a:t>.</a:t>
-            </a:r>
-            <a:r>
-              <a:rPr lang="pt-BR" sz="1600" dirty="0"/>
-              <a:t> Chamada direta de funções C</a:t>
-            </a:r>
-          </a:p>
-          <a:p>
-            <a:r>
-              <a:rPr lang="pt-BR" sz="1600" dirty="0"/>
-              <a:t>   </a:t>
-            </a:r>
-            <a:r>
-              <a:rPr lang="pt-BR" sz="1600" b="1" dirty="0"/>
-              <a:t>.</a:t>
-            </a:r>
-            <a:r>
-              <a:rPr lang="pt-BR" sz="1600" dirty="0"/>
-              <a:t> Chamada de funções Python através do pacote </a:t>
-            </a:r>
-            <a:r>
-              <a:rPr lang="pt-BR" sz="1600" dirty="0" err="1"/>
-              <a:t>PyCall</a:t>
-            </a:r>
-            <a:endParaRPr lang="pt-BR" sz="1600" dirty="0"/>
-          </a:p>
-          <a:p>
-            <a:r>
-              <a:rPr lang="pt-BR" sz="1600" dirty="0"/>
-              <a:t>   </a:t>
-            </a:r>
-            <a:r>
-              <a:rPr lang="pt-BR" sz="1600" b="1" dirty="0"/>
-              <a:t>.</a:t>
-            </a:r>
-            <a:r>
-              <a:rPr lang="pt-BR" sz="1600" dirty="0"/>
-              <a:t> Desempenho comparável a C e Fortran</a:t>
-            </a:r>
-          </a:p>
-          <a:p>
-            <a:endParaRPr lang="pt-BR" sz="1400" dirty="0"/>
+              <a:t> como um de seus principais paradigmas de programação.</a:t>
+            </a:r>
           </a:p>
         </p:txBody>
       </p:sp>
@@ -3715,16 +3603,15 @@
           </p:cNvPicPr>
           <p:nvPr/>
         </p:nvPicPr>
-        <p:blipFill>
+        <p:blipFill rotWithShape="1">
           <a:blip r:embed="rId2"/>
-          <a:stretch>
-            <a:fillRect/>
-          </a:stretch>
+          <a:srcRect r="7710"/>
+          <a:stretch/>
         </p:blipFill>
         <p:spPr>
           <a:xfrm>
-            <a:off x="4194556" y="334108"/>
-            <a:ext cx="5860288" cy="4160881"/>
+            <a:off x="3399423" y="93662"/>
+            <a:ext cx="8792577" cy="6764338"/>
           </a:xfrm>
           <a:prstGeom prst="rect">
             <a:avLst/>
@@ -3889,8 +3776,8 @@
         </p:blipFill>
         <p:spPr>
           <a:xfrm>
-            <a:off x="3734992" y="334108"/>
-            <a:ext cx="6287045" cy="4671465"/>
+            <a:off x="2880889" y="0"/>
+            <a:ext cx="9229770" cy="6857999"/>
           </a:xfrm>
           <a:prstGeom prst="rect">
             <a:avLst/>
@@ -3941,7 +3828,7 @@
         </p:nvSpPr>
         <p:spPr>
           <a:xfrm>
-            <a:off x="404446" y="334108"/>
+            <a:off x="123092" y="175847"/>
             <a:ext cx="4765431" cy="1261884"/>
           </a:xfrm>
           <a:prstGeom prst="rect">
@@ -3964,9 +3851,6 @@
             <a:endParaRPr lang="pt-BR" dirty="0"/>
           </a:p>
           <a:p>
-            <a:endParaRPr lang="pt-BR" dirty="0"/>
-          </a:p>
-          <a:p>
             <a:r>
               <a:rPr lang="pt-BR" dirty="0"/>
               <a:t>Exemplo com </a:t>
@@ -3977,7 +3861,13 @@
             </a:r>
             <a:r>
               <a:rPr lang="pt-BR" dirty="0"/>
-              <a:t>: (Parte 1/2)</a:t>
+              <a:t>: </a:t>
+            </a:r>
+          </a:p>
+          <a:p>
+            <a:r>
+              <a:rPr lang="pt-BR" dirty="0"/>
+              <a:t>(Parte 1/2)</a:t>
             </a:r>
           </a:p>
         </p:txBody>
@@ -4004,8 +3894,8 @@
         </p:blipFill>
         <p:spPr>
           <a:xfrm>
-            <a:off x="4699479" y="334108"/>
-            <a:ext cx="6995766" cy="5090601"/>
+            <a:off x="3020096" y="0"/>
+            <a:ext cx="9303789" cy="6770077"/>
           </a:xfrm>
           <a:prstGeom prst="rect">
             <a:avLst/>
@@ -4057,7 +3947,7 @@
         <p:spPr>
           <a:xfrm>
             <a:off x="404446" y="334108"/>
-            <a:ext cx="4765431" cy="1261884"/>
+            <a:ext cx="4765431" cy="1538883"/>
           </a:xfrm>
           <a:prstGeom prst="rect">
             <a:avLst/>
@@ -4092,7 +3982,13 @@
             </a:r>
             <a:r>
               <a:rPr lang="pt-BR" dirty="0"/>
-              <a:t>: (Parte 2/2)</a:t>
+              <a:t>: </a:t>
+            </a:r>
+          </a:p>
+          <a:p>
+            <a:r>
+              <a:rPr lang="pt-BR" dirty="0"/>
+              <a:t>(Parte 2/2)</a:t>
             </a:r>
           </a:p>
         </p:txBody>
@@ -4119,8 +4015,8 @@
         </p:blipFill>
         <p:spPr>
           <a:xfrm>
-            <a:off x="4479341" y="334108"/>
-            <a:ext cx="7308213" cy="6515665"/>
+            <a:off x="3368018" y="-12074"/>
+            <a:ext cx="7701497" cy="6866299"/>
           </a:xfrm>
           <a:prstGeom prst="rect">
             <a:avLst/>
@@ -4129,10 +4025,10 @@
       </p:pic>
       <p:sp>
         <p:nvSpPr>
-          <p:cNvPr id="4" name="CaixaDeTexto 3">
-            <a:extLst>
-              <a:ext uri="{FF2B5EF4-FFF2-40B4-BE49-F238E27FC236}">
-                <a16:creationId xmlns:a16="http://schemas.microsoft.com/office/drawing/2014/main" id="{50510E32-152A-483C-A3AD-7FBF4281A953}"/>
+          <p:cNvPr id="3" name="CaixaDeTexto 2">
+            <a:extLst>
+              <a:ext uri="{FF2B5EF4-FFF2-40B4-BE49-F238E27FC236}">
+                <a16:creationId xmlns:a16="http://schemas.microsoft.com/office/drawing/2014/main" id="{E7F7B917-B18D-48D5-B10C-704FD2A1A632}"/>
               </a:ext>
             </a:extLst>
           </p:cNvPr>
@@ -4141,8 +4037,8 @@
         </p:nvSpPr>
         <p:spPr>
           <a:xfrm>
-            <a:off x="404446" y="4215568"/>
-            <a:ext cx="3886200" cy="2308324"/>
+            <a:off x="6893169" y="4317023"/>
+            <a:ext cx="5117123" cy="2338754"/>
           </a:xfrm>
           <a:prstGeom prst="rect">
             <a:avLst/>
@@ -4157,25 +4053,28 @@
           <a:p>
             <a:pPr algn="just"/>
             <a:r>
-              <a:rPr lang="pt-BR" sz="1600" dirty="0"/>
+              <a:rPr lang="pt-BR" sz="1800" dirty="0"/>
               <a:t>No exemplo acima, usamos os </a:t>
             </a:r>
             <a:r>
-              <a:rPr lang="pt-BR" sz="1600" dirty="0" err="1"/>
+              <a:rPr lang="pt-BR" sz="1800" dirty="0" err="1"/>
               <a:t>multi-métodos</a:t>
             </a:r>
             <a:r>
-              <a:rPr lang="pt-BR" sz="1600" dirty="0"/>
+              <a:rPr lang="pt-BR" sz="1800" dirty="0"/>
               <a:t> para tratar as duas bebidas, Coca e Mate, de forma diferente. Tanto a função "</a:t>
             </a:r>
             <a:r>
-              <a:rPr lang="pt-BR" sz="1600" dirty="0" err="1"/>
+              <a:rPr lang="pt-BR" sz="1800" dirty="0" err="1"/>
               <a:t>advinha_diet</a:t>
             </a:r>
             <a:r>
-              <a:rPr lang="pt-BR" sz="1600" dirty="0"/>
+              <a:rPr lang="pt-BR" sz="1800" dirty="0"/>
               <a:t>", como a "servir", possuem duas versões, com argumentos diferentes. O compilador analisa os tipos de todos os argumentos e chama a versão correspondente com o tipo de bebida que queremos.</a:t>
             </a:r>
+          </a:p>
+          <a:p>
+            <a:endParaRPr lang="pt-BR" dirty="0"/>
           </a:p>
         </p:txBody>
       </p:sp>
